--- a/Mechanic Workshop Project.pptx
+++ b/Mechanic Workshop Project.pptx
@@ -6843,7 +6843,7 @@
 </file>
 
 <file path=ppt/slides/slide6.xml><?xml version="1.0" encoding="utf-8"?>
-<p:sld xmlns:a="http://schemas.openxmlformats.org/drawingml/2006/main" xmlns:r="http://schemas.openxmlformats.org/officeDocument/2006/relationships" xmlns:p="http://schemas.openxmlformats.org/presentationml/2006/main" show="0">
+<p:sld xmlns:a="http://schemas.openxmlformats.org/drawingml/2006/main" xmlns:r="http://schemas.openxmlformats.org/officeDocument/2006/relationships" xmlns:p="http://schemas.openxmlformats.org/presentationml/2006/main">
   <p:cSld>
     <p:spTree>
       <p:nvGrpSpPr>

--- a/Mechanic Workshop Project.pptx
+++ b/Mechanic Workshop Project.pptx
@@ -15,8 +15,8 @@
     <p:sldId id="263" r:id="rId6"/>
     <p:sldId id="264" r:id="rId7"/>
     <p:sldId id="261" r:id="rId8"/>
-    <p:sldId id="265" r:id="rId9"/>
-    <p:sldId id="262" r:id="rId10"/>
+    <p:sldId id="262" r:id="rId9"/>
+    <p:sldId id="265" r:id="rId10"/>
   </p:sldIdLst>
   <p:sldSz cx="12192000" cy="6858000"/>
   <p:notesSz cx="6858000" cy="9144000"/>
@@ -779,7 +779,7 @@
         <p:cNvPr id="1" name="">
           <a:extLst>
             <a:ext uri="{FF2B5EF4-FFF2-40B4-BE49-F238E27FC236}">
-              <a16:creationId xmlns:a16="http://schemas.microsoft.com/office/drawing/2014/main" id="{8BC888D8-7F60-F5C7-873C-43DC9EB80214}"/>
+              <a16:creationId xmlns:a16="http://schemas.microsoft.com/office/drawing/2014/main" id="{B4F7B71C-164C-8CEE-984C-0AD15B1C6D83}"/>
             </a:ext>
           </a:extLst>
         </p:cNvPr>
@@ -799,7 +799,7 @@
           <p:cNvPr id="2" name="Marcador de imagen de diapositiva 1">
             <a:extLst>
               <a:ext uri="{FF2B5EF4-FFF2-40B4-BE49-F238E27FC236}">
-                <a16:creationId xmlns:a16="http://schemas.microsoft.com/office/drawing/2014/main" id="{8EC8FECC-042E-BF0B-D9D1-525E2F928E12}"/>
+                <a16:creationId xmlns:a16="http://schemas.microsoft.com/office/drawing/2014/main" id="{41E38E41-896A-79B7-3514-BB076F579ACF}"/>
               </a:ext>
             </a:extLst>
           </p:cNvPr>
@@ -817,7 +817,7 @@
           <p:cNvPr id="3" name="Marcador de notas 2">
             <a:extLst>
               <a:ext uri="{FF2B5EF4-FFF2-40B4-BE49-F238E27FC236}">
-                <a16:creationId xmlns:a16="http://schemas.microsoft.com/office/drawing/2014/main" id="{EF66002C-0698-C0E5-0904-C413BF7FEB83}"/>
+                <a16:creationId xmlns:a16="http://schemas.microsoft.com/office/drawing/2014/main" id="{CD59D6BF-CAD3-82C2-F2C3-DADC2D057C7F}"/>
               </a:ext>
             </a:extLst>
           </p:cNvPr>
@@ -833,18 +833,6 @@
           <a:bodyPr/>
           <a:lstStyle/>
           <a:p>
-            <a:r>
-              <a:rPr lang="es-ES" dirty="0" err="1"/>
-              <a:t>docker-compose</a:t>
-            </a:r>
-            <a:r>
-              <a:rPr lang="es-ES" dirty="0"/>
-              <a:t> </a:t>
-            </a:r>
-            <a:r>
-              <a:rPr lang="es-ES" dirty="0" err="1"/>
-              <a:t>ps</a:t>
-            </a:r>
             <a:endParaRPr lang="es-ES" dirty="0"/>
           </a:p>
         </p:txBody>
@@ -854,7 +842,7 @@
           <p:cNvPr id="4" name="Marcador de número de diapositiva 3">
             <a:extLst>
               <a:ext uri="{FF2B5EF4-FFF2-40B4-BE49-F238E27FC236}">
-                <a16:creationId xmlns:a16="http://schemas.microsoft.com/office/drawing/2014/main" id="{8E766FC0-7D19-FCB3-8B49-B61AAE95F2FD}"/>
+                <a16:creationId xmlns:a16="http://schemas.microsoft.com/office/drawing/2014/main" id="{C799FF39-3490-49D5-8CE6-A7C878980C61}"/>
               </a:ext>
             </a:extLst>
           </p:cNvPr>
@@ -881,7 +869,7 @@
     </p:spTree>
     <p:extLst>
       <p:ext uri="{BB962C8B-B14F-4D97-AF65-F5344CB8AC3E}">
-        <p14:creationId xmlns:p14="http://schemas.microsoft.com/office/powerpoint/2010/main" val="3471024507"/>
+        <p14:creationId xmlns:p14="http://schemas.microsoft.com/office/powerpoint/2010/main" val="621893413"/>
       </p:ext>
     </p:extLst>
   </p:cSld>
@@ -899,7 +887,7 @@
         <p:cNvPr id="1" name="">
           <a:extLst>
             <a:ext uri="{FF2B5EF4-FFF2-40B4-BE49-F238E27FC236}">
-              <a16:creationId xmlns:a16="http://schemas.microsoft.com/office/drawing/2014/main" id="{B4F7B71C-164C-8CEE-984C-0AD15B1C6D83}"/>
+              <a16:creationId xmlns:a16="http://schemas.microsoft.com/office/drawing/2014/main" id="{8BC888D8-7F60-F5C7-873C-43DC9EB80214}"/>
             </a:ext>
           </a:extLst>
         </p:cNvPr>
@@ -919,7 +907,7 @@
           <p:cNvPr id="2" name="Marcador de imagen de diapositiva 1">
             <a:extLst>
               <a:ext uri="{FF2B5EF4-FFF2-40B4-BE49-F238E27FC236}">
-                <a16:creationId xmlns:a16="http://schemas.microsoft.com/office/drawing/2014/main" id="{41E38E41-896A-79B7-3514-BB076F579ACF}"/>
+                <a16:creationId xmlns:a16="http://schemas.microsoft.com/office/drawing/2014/main" id="{8EC8FECC-042E-BF0B-D9D1-525E2F928E12}"/>
               </a:ext>
             </a:extLst>
           </p:cNvPr>
@@ -937,7 +925,7 @@
           <p:cNvPr id="3" name="Marcador de notas 2">
             <a:extLst>
               <a:ext uri="{FF2B5EF4-FFF2-40B4-BE49-F238E27FC236}">
-                <a16:creationId xmlns:a16="http://schemas.microsoft.com/office/drawing/2014/main" id="{CD59D6BF-CAD3-82C2-F2C3-DADC2D057C7F}"/>
+                <a16:creationId xmlns:a16="http://schemas.microsoft.com/office/drawing/2014/main" id="{EF66002C-0698-C0E5-0904-C413BF7FEB83}"/>
               </a:ext>
             </a:extLst>
           </p:cNvPr>
@@ -953,6 +941,18 @@
           <a:bodyPr/>
           <a:lstStyle/>
           <a:p>
+            <a:r>
+              <a:rPr lang="es-ES" dirty="0" err="1"/>
+              <a:t>docker-compose</a:t>
+            </a:r>
+            <a:r>
+              <a:rPr lang="es-ES" dirty="0"/>
+              <a:t> </a:t>
+            </a:r>
+            <a:r>
+              <a:rPr lang="es-ES" dirty="0" err="1"/>
+              <a:t>ps</a:t>
+            </a:r>
             <a:endParaRPr lang="es-ES" dirty="0"/>
           </a:p>
         </p:txBody>
@@ -962,7 +962,7 @@
           <p:cNvPr id="4" name="Marcador de número de diapositiva 3">
             <a:extLst>
               <a:ext uri="{FF2B5EF4-FFF2-40B4-BE49-F238E27FC236}">
-                <a16:creationId xmlns:a16="http://schemas.microsoft.com/office/drawing/2014/main" id="{C799FF39-3490-49D5-8CE6-A7C878980C61}"/>
+                <a16:creationId xmlns:a16="http://schemas.microsoft.com/office/drawing/2014/main" id="{8E766FC0-7D19-FCB3-8B49-B61AAE95F2FD}"/>
               </a:ext>
             </a:extLst>
           </p:cNvPr>
@@ -989,7 +989,7 @@
     </p:spTree>
     <p:extLst>
       <p:ext uri="{BB962C8B-B14F-4D97-AF65-F5344CB8AC3E}">
-        <p14:creationId xmlns:p14="http://schemas.microsoft.com/office/powerpoint/2010/main" val="621893413"/>
+        <p14:creationId xmlns:p14="http://schemas.microsoft.com/office/powerpoint/2010/main" val="3471024507"/>
       </p:ext>
     </p:extLst>
   </p:cSld>
@@ -6006,13 +6006,29 @@
               <a:t>py</a:t>
             </a:r>
             <a:r>
+              <a:rPr lang="es-ES" sz="2400" dirty="0" err="1">
+                <a:latin typeface="Calibri" panose="020F0502020204030204" pitchFamily="34" charset="0"/>
+                <a:ea typeface="Times New Roman" panose="02020603050405020304" pitchFamily="18" charset="0"/>
+                <a:cs typeface="Times New Roman" panose="02020603050405020304" pitchFamily="18" charset="0"/>
+              </a:rPr>
+              <a:t>mysql</a:t>
+            </a:r>
+            <a:r>
+              <a:rPr lang="es-ES" sz="2400" dirty="0">
+                <a:latin typeface="Calibri" panose="020F0502020204030204" pitchFamily="34" charset="0"/>
+                <a:ea typeface="Times New Roman" panose="02020603050405020304" pitchFamily="18" charset="0"/>
+                <a:cs typeface="Times New Roman" panose="02020603050405020304" pitchFamily="18" charset="0"/>
+              </a:rPr>
+              <a:t> </a:t>
+            </a:r>
+            <a:r>
               <a:rPr lang="es-ES" sz="2400" dirty="0">
                 <a:effectLst/>
                 <a:latin typeface="Calibri" panose="020F0502020204030204" pitchFamily="34" charset="0"/>
                 <a:ea typeface="Times New Roman" panose="02020603050405020304" pitchFamily="18" charset="0"/>
                 <a:cs typeface="Times New Roman" panose="02020603050405020304" pitchFamily="18" charset="0"/>
               </a:rPr>
-              <a:t> y </a:t>
+              <a:t>y </a:t>
             </a:r>
             <a:r>
               <a:rPr lang="es-ES" sz="2400" dirty="0" err="1">
@@ -7520,6 +7536,121 @@
         <p:cNvPr id="1" name="">
           <a:extLst>
             <a:ext uri="{FF2B5EF4-FFF2-40B4-BE49-F238E27FC236}">
+              <a16:creationId xmlns:a16="http://schemas.microsoft.com/office/drawing/2014/main" id="{C5774A53-5262-794B-E461-D150B2942BBD}"/>
+            </a:ext>
+          </a:extLst>
+        </p:cNvPr>
+        <p:cNvGrpSpPr/>
+        <p:nvPr/>
+      </p:nvGrpSpPr>
+      <p:grpSpPr>
+        <a:xfrm>
+          <a:off x="0" y="0"/>
+          <a:ext cx="0" cy="0"/>
+          <a:chOff x="0" y="0"/>
+          <a:chExt cx="0" cy="0"/>
+        </a:xfrm>
+      </p:grpSpPr>
+      <p:sp>
+        <p:nvSpPr>
+          <p:cNvPr id="2" name="Título 1">
+            <a:extLst>
+              <a:ext uri="{FF2B5EF4-FFF2-40B4-BE49-F238E27FC236}">
+                <a16:creationId xmlns:a16="http://schemas.microsoft.com/office/drawing/2014/main" id="{982BEE1A-8B29-70E3-F14C-0D1E9888D7F2}"/>
+              </a:ext>
+            </a:extLst>
+          </p:cNvPr>
+          <p:cNvSpPr>
+            <a:spLocks noGrp="1"/>
+          </p:cNvSpPr>
+          <p:nvPr>
+            <p:ph type="title"/>
+          </p:nvPr>
+        </p:nvSpPr>
+        <p:spPr/>
+        <p:txBody>
+          <a:bodyPr/>
+          <a:lstStyle/>
+          <a:p>
+            <a:r>
+              <a:rPr lang="es-ES" dirty="0"/>
+              <a:t>PREGUNTAS</a:t>
+            </a:r>
+          </a:p>
+        </p:txBody>
+      </p:sp>
+      <p:sp>
+        <p:nvSpPr>
+          <p:cNvPr id="3" name="Marcador de contenido 2">
+            <a:extLst>
+              <a:ext uri="{FF2B5EF4-FFF2-40B4-BE49-F238E27FC236}">
+                <a16:creationId xmlns:a16="http://schemas.microsoft.com/office/drawing/2014/main" id="{B6762C69-CA10-50CD-F7B0-4BC2350FFE45}"/>
+              </a:ext>
+            </a:extLst>
+          </p:cNvPr>
+          <p:cNvSpPr>
+            <a:spLocks noGrp="1"/>
+          </p:cNvSpPr>
+          <p:nvPr>
+            <p:ph idx="1"/>
+          </p:nvPr>
+        </p:nvSpPr>
+        <p:spPr>
+          <a:xfrm>
+            <a:off x="3519089" y="2293636"/>
+            <a:ext cx="5153821" cy="2270728"/>
+          </a:xfrm>
+        </p:spPr>
+        <p:txBody>
+          <a:bodyPr>
+            <a:normAutofit/>
+          </a:bodyPr>
+          <a:lstStyle/>
+          <a:p>
+            <a:pPr marL="0" indent="0">
+              <a:buNone/>
+            </a:pPr>
+            <a:endParaRPr lang="es-ES" sz="1800" dirty="0">
+              <a:effectLst/>
+              <a:latin typeface="Calibri" panose="020F0502020204030204" pitchFamily="34" charset="0"/>
+              <a:ea typeface="Times New Roman" panose="02020603050405020304" pitchFamily="18" charset="0"/>
+              <a:cs typeface="Times New Roman" panose="02020603050405020304" pitchFamily="18" charset="0"/>
+            </a:endParaRPr>
+          </a:p>
+          <a:p>
+            <a:pPr algn="ctr"/>
+            <a:r>
+              <a:rPr lang="es-ES" sz="4000" dirty="0">
+                <a:latin typeface="Calibri" panose="020F0502020204030204" pitchFamily="34" charset="0"/>
+                <a:ea typeface="Calibri" panose="020F0502020204030204" pitchFamily="34" charset="0"/>
+                <a:cs typeface="Calibri" panose="020F0502020204030204" pitchFamily="34" charset="0"/>
+              </a:rPr>
+              <a:t>¡Gracias por vuestra atención!</a:t>
+            </a:r>
+          </a:p>
+        </p:txBody>
+      </p:sp>
+    </p:spTree>
+    <p:extLst>
+      <p:ext uri="{BB962C8B-B14F-4D97-AF65-F5344CB8AC3E}">
+        <p14:creationId xmlns:p14="http://schemas.microsoft.com/office/powerpoint/2010/main" val="856464784"/>
+      </p:ext>
+    </p:extLst>
+  </p:cSld>
+  <p:clrMapOvr>
+    <a:masterClrMapping/>
+  </p:clrMapOvr>
+</p:sld>
+</file>
+
+<file path=ppt/slides/slide9.xml><?xml version="1.0" encoding="utf-8"?>
+<p:sld xmlns:a="http://schemas.openxmlformats.org/drawingml/2006/main" xmlns:r="http://schemas.openxmlformats.org/officeDocument/2006/relationships" xmlns:p="http://schemas.openxmlformats.org/presentationml/2006/main" show="0">
+  <p:cSld>
+    <p:spTree>
+      <p:nvGrpSpPr>
+        <p:cNvPr id="1" name="">
+          <a:extLst>
+            <a:ext uri="{FF2B5EF4-FFF2-40B4-BE49-F238E27FC236}">
               <a16:creationId xmlns:a16="http://schemas.microsoft.com/office/drawing/2014/main" id="{0DDA8989-1A7B-5FD7-A19A-181CF8DBFE5A}"/>
             </a:ext>
           </a:extLst>
@@ -7726,121 +7857,6 @@
     <p:extLst>
       <p:ext uri="{BB962C8B-B14F-4D97-AF65-F5344CB8AC3E}">
         <p14:creationId xmlns:p14="http://schemas.microsoft.com/office/powerpoint/2010/main" val="4219747139"/>
-      </p:ext>
-    </p:extLst>
-  </p:cSld>
-  <p:clrMapOvr>
-    <a:masterClrMapping/>
-  </p:clrMapOvr>
-</p:sld>
-</file>
-
-<file path=ppt/slides/slide9.xml><?xml version="1.0" encoding="utf-8"?>
-<p:sld xmlns:a="http://schemas.openxmlformats.org/drawingml/2006/main" xmlns:r="http://schemas.openxmlformats.org/officeDocument/2006/relationships" xmlns:p="http://schemas.openxmlformats.org/presentationml/2006/main">
-  <p:cSld>
-    <p:spTree>
-      <p:nvGrpSpPr>
-        <p:cNvPr id="1" name="">
-          <a:extLst>
-            <a:ext uri="{FF2B5EF4-FFF2-40B4-BE49-F238E27FC236}">
-              <a16:creationId xmlns:a16="http://schemas.microsoft.com/office/drawing/2014/main" id="{C5774A53-5262-794B-E461-D150B2942BBD}"/>
-            </a:ext>
-          </a:extLst>
-        </p:cNvPr>
-        <p:cNvGrpSpPr/>
-        <p:nvPr/>
-      </p:nvGrpSpPr>
-      <p:grpSpPr>
-        <a:xfrm>
-          <a:off x="0" y="0"/>
-          <a:ext cx="0" cy="0"/>
-          <a:chOff x="0" y="0"/>
-          <a:chExt cx="0" cy="0"/>
-        </a:xfrm>
-      </p:grpSpPr>
-      <p:sp>
-        <p:nvSpPr>
-          <p:cNvPr id="2" name="Título 1">
-            <a:extLst>
-              <a:ext uri="{FF2B5EF4-FFF2-40B4-BE49-F238E27FC236}">
-                <a16:creationId xmlns:a16="http://schemas.microsoft.com/office/drawing/2014/main" id="{982BEE1A-8B29-70E3-F14C-0D1E9888D7F2}"/>
-              </a:ext>
-            </a:extLst>
-          </p:cNvPr>
-          <p:cNvSpPr>
-            <a:spLocks noGrp="1"/>
-          </p:cNvSpPr>
-          <p:nvPr>
-            <p:ph type="title"/>
-          </p:nvPr>
-        </p:nvSpPr>
-        <p:spPr/>
-        <p:txBody>
-          <a:bodyPr/>
-          <a:lstStyle/>
-          <a:p>
-            <a:r>
-              <a:rPr lang="es-ES" dirty="0"/>
-              <a:t>PREGUNTAS</a:t>
-            </a:r>
-          </a:p>
-        </p:txBody>
-      </p:sp>
-      <p:sp>
-        <p:nvSpPr>
-          <p:cNvPr id="3" name="Marcador de contenido 2">
-            <a:extLst>
-              <a:ext uri="{FF2B5EF4-FFF2-40B4-BE49-F238E27FC236}">
-                <a16:creationId xmlns:a16="http://schemas.microsoft.com/office/drawing/2014/main" id="{B6762C69-CA10-50CD-F7B0-4BC2350FFE45}"/>
-              </a:ext>
-            </a:extLst>
-          </p:cNvPr>
-          <p:cNvSpPr>
-            <a:spLocks noGrp="1"/>
-          </p:cNvSpPr>
-          <p:nvPr>
-            <p:ph idx="1"/>
-          </p:nvPr>
-        </p:nvSpPr>
-        <p:spPr>
-          <a:xfrm>
-            <a:off x="3519089" y="2293636"/>
-            <a:ext cx="5153821" cy="2270728"/>
-          </a:xfrm>
-        </p:spPr>
-        <p:txBody>
-          <a:bodyPr>
-            <a:normAutofit/>
-          </a:bodyPr>
-          <a:lstStyle/>
-          <a:p>
-            <a:pPr marL="0" indent="0">
-              <a:buNone/>
-            </a:pPr>
-            <a:endParaRPr lang="es-ES" sz="1800" dirty="0">
-              <a:effectLst/>
-              <a:latin typeface="Calibri" panose="020F0502020204030204" pitchFamily="34" charset="0"/>
-              <a:ea typeface="Times New Roman" panose="02020603050405020304" pitchFamily="18" charset="0"/>
-              <a:cs typeface="Times New Roman" panose="02020603050405020304" pitchFamily="18" charset="0"/>
-            </a:endParaRPr>
-          </a:p>
-          <a:p>
-            <a:pPr algn="ctr"/>
-            <a:r>
-              <a:rPr lang="es-ES" sz="4000" dirty="0">
-                <a:latin typeface="Calibri" panose="020F0502020204030204" pitchFamily="34" charset="0"/>
-                <a:ea typeface="Calibri" panose="020F0502020204030204" pitchFamily="34" charset="0"/>
-                <a:cs typeface="Calibri" panose="020F0502020204030204" pitchFamily="34" charset="0"/>
-              </a:rPr>
-              <a:t>¡Gracias por vuestra atención!</a:t>
-            </a:r>
-          </a:p>
-        </p:txBody>
-      </p:sp>
-    </p:spTree>
-    <p:extLst>
-      <p:ext uri="{BB962C8B-B14F-4D97-AF65-F5344CB8AC3E}">
-        <p14:creationId xmlns:p14="http://schemas.microsoft.com/office/powerpoint/2010/main" val="856464784"/>
       </p:ext>
     </p:extLst>
   </p:cSld>
